--- a/PAC_display/Figures.pptx
+++ b/PAC_display/Figures.pptx
@@ -265,7 +265,7 @@
           <a:p>
             <a:fld id="{CA4E53F4-5A85-44A5-BE22-4683A12D9054}" type="datetimeFigureOut">
               <a:rPr lang="en-DE" smtClean="0"/>
-              <a:t>08/09/2020</a:t>
+              <a:t>22/10/2020</a:t>
             </a:fld>
             <a:endParaRPr lang="en-DE"/>
           </a:p>
@@ -465,7 +465,7 @@
           <a:p>
             <a:fld id="{CA4E53F4-5A85-44A5-BE22-4683A12D9054}" type="datetimeFigureOut">
               <a:rPr lang="en-DE" smtClean="0"/>
-              <a:t>08/09/2020</a:t>
+              <a:t>22/10/2020</a:t>
             </a:fld>
             <a:endParaRPr lang="en-DE"/>
           </a:p>
@@ -675,7 +675,7 @@
           <a:p>
             <a:fld id="{CA4E53F4-5A85-44A5-BE22-4683A12D9054}" type="datetimeFigureOut">
               <a:rPr lang="en-DE" smtClean="0"/>
-              <a:t>08/09/2020</a:t>
+              <a:t>22/10/2020</a:t>
             </a:fld>
             <a:endParaRPr lang="en-DE"/>
           </a:p>
@@ -875,7 +875,7 @@
           <a:p>
             <a:fld id="{CA4E53F4-5A85-44A5-BE22-4683A12D9054}" type="datetimeFigureOut">
               <a:rPr lang="en-DE" smtClean="0"/>
-              <a:t>08/09/2020</a:t>
+              <a:t>22/10/2020</a:t>
             </a:fld>
             <a:endParaRPr lang="en-DE"/>
           </a:p>
@@ -1151,7 +1151,7 @@
           <a:p>
             <a:fld id="{CA4E53F4-5A85-44A5-BE22-4683A12D9054}" type="datetimeFigureOut">
               <a:rPr lang="en-DE" smtClean="0"/>
-              <a:t>08/09/2020</a:t>
+              <a:t>22/10/2020</a:t>
             </a:fld>
             <a:endParaRPr lang="en-DE"/>
           </a:p>
@@ -1419,7 +1419,7 @@
           <a:p>
             <a:fld id="{CA4E53F4-5A85-44A5-BE22-4683A12D9054}" type="datetimeFigureOut">
               <a:rPr lang="en-DE" smtClean="0"/>
-              <a:t>08/09/2020</a:t>
+              <a:t>22/10/2020</a:t>
             </a:fld>
             <a:endParaRPr lang="en-DE"/>
           </a:p>
@@ -1834,7 +1834,7 @@
           <a:p>
             <a:fld id="{CA4E53F4-5A85-44A5-BE22-4683A12D9054}" type="datetimeFigureOut">
               <a:rPr lang="en-DE" smtClean="0"/>
-              <a:t>08/09/2020</a:t>
+              <a:t>22/10/2020</a:t>
             </a:fld>
             <a:endParaRPr lang="en-DE"/>
           </a:p>
@@ -1976,7 +1976,7 @@
           <a:p>
             <a:fld id="{CA4E53F4-5A85-44A5-BE22-4683A12D9054}" type="datetimeFigureOut">
               <a:rPr lang="en-DE" smtClean="0"/>
-              <a:t>08/09/2020</a:t>
+              <a:t>22/10/2020</a:t>
             </a:fld>
             <a:endParaRPr lang="en-DE"/>
           </a:p>
@@ -2089,7 +2089,7 @@
           <a:p>
             <a:fld id="{CA4E53F4-5A85-44A5-BE22-4683A12D9054}" type="datetimeFigureOut">
               <a:rPr lang="en-DE" smtClean="0"/>
-              <a:t>08/09/2020</a:t>
+              <a:t>22/10/2020</a:t>
             </a:fld>
             <a:endParaRPr lang="en-DE"/>
           </a:p>
@@ -2402,7 +2402,7 @@
           <a:p>
             <a:fld id="{CA4E53F4-5A85-44A5-BE22-4683A12D9054}" type="datetimeFigureOut">
               <a:rPr lang="en-DE" smtClean="0"/>
-              <a:t>08/09/2020</a:t>
+              <a:t>22/10/2020</a:t>
             </a:fld>
             <a:endParaRPr lang="en-DE"/>
           </a:p>
@@ -2691,7 +2691,7 @@
           <a:p>
             <a:fld id="{CA4E53F4-5A85-44A5-BE22-4683A12D9054}" type="datetimeFigureOut">
               <a:rPr lang="en-DE" smtClean="0"/>
-              <a:t>08/09/2020</a:t>
+              <a:t>22/10/2020</a:t>
             </a:fld>
             <a:endParaRPr lang="en-DE"/>
           </a:p>
@@ -2934,7 +2934,7 @@
           <a:p>
             <a:fld id="{CA4E53F4-5A85-44A5-BE22-4683A12D9054}" type="datetimeFigureOut">
               <a:rPr lang="en-DE" smtClean="0"/>
-              <a:t>08/09/2020</a:t>
+              <a:t>22/10/2020</a:t>
             </a:fld>
             <a:endParaRPr lang="en-DE"/>
           </a:p>
@@ -3413,10 +3413,10 @@
       </p:grpSpPr>
       <p:pic>
         <p:nvPicPr>
-          <p:cNvPr id="2" name="Picture 1">
-            <a:extLst>
-              <a:ext uri="{FF2B5EF4-FFF2-40B4-BE49-F238E27FC236}">
-                <a16:creationId xmlns:a16="http://schemas.microsoft.com/office/drawing/2014/main" id="{1F53E814-8C33-4B46-9E5F-03AD94354CC4}"/>
+          <p:cNvPr id="3" name="Picture 2">
+            <a:extLst>
+              <a:ext uri="{FF2B5EF4-FFF2-40B4-BE49-F238E27FC236}">
+                <a16:creationId xmlns:a16="http://schemas.microsoft.com/office/drawing/2014/main" id="{66E640C3-2625-4834-A570-51850B45BF69}"/>
               </a:ext>
             </a:extLst>
           </p:cNvPr>
@@ -3593,10 +3593,10 @@
       </p:grpSpPr>
       <p:pic>
         <p:nvPicPr>
-          <p:cNvPr id="2" name="Picture 1">
-            <a:extLst>
-              <a:ext uri="{FF2B5EF4-FFF2-40B4-BE49-F238E27FC236}">
-                <a16:creationId xmlns:a16="http://schemas.microsoft.com/office/drawing/2014/main" id="{1D9388C2-846C-4597-B021-5B85C0EE157C}"/>
+          <p:cNvPr id="3" name="Picture 2">
+            <a:extLst>
+              <a:ext uri="{FF2B5EF4-FFF2-40B4-BE49-F238E27FC236}">
+                <a16:creationId xmlns:a16="http://schemas.microsoft.com/office/drawing/2014/main" id="{E45A8CA5-D4DF-4748-9089-F5F524D4F329}"/>
               </a:ext>
             </a:extLst>
           </p:cNvPr>
